--- a/docs/BeachDefense_Presentation.pptx
+++ b/docs/BeachDefense_Presentation.pptx
@@ -9,7 +9,8 @@
     <p:sldId id="259" r:id="rId3"/>
     <p:sldId id="257" r:id="rId4"/>
     <p:sldId id="258" r:id="rId5"/>
-    <p:sldId id="260" r:id="rId6"/>
+    <p:sldId id="261" r:id="rId6"/>
+    <p:sldId id="260" r:id="rId7"/>
   </p:sldIdLst>
   <p:sldSz cx="9144000" cy="6858000" type="screen4x3"/>
   <p:notesSz cx="6858000" cy="9144000"/>
@@ -293,7 +294,7 @@
             <a:fld id="{5BCAD085-E8A6-8845-BD4E-CB4CCA059FC4}" type="datetimeFigureOut">
               <a:rPr lang="en-US" smtClean="0"/>
               <a:pPr/>
-              <a:t>4/16/2025</a:t>
+              <a:t>6/5/2025</a:t>
             </a:fld>
             <a:endParaRPr lang="en-US"/>
           </a:p>
@@ -345,7 +346,7 @@
     </p:spTree>
     <p:extLst>
       <p:ext uri="{BB962C8B-B14F-4D97-AF65-F5344CB8AC3E}">
-        <p14:creationId xmlns:p14="http://schemas.microsoft.com/office/powerpoint/2010/main" xmlns="" val="3168075583"/>
+        <p14:creationId xmlns="" xmlns:p14="http://schemas.microsoft.com/office/powerpoint/2010/main" val="3168075583"/>
       </p:ext>
     </p:extLst>
   </p:cSld>
@@ -465,7 +466,7 @@
             <a:fld id="{5BCAD085-E8A6-8845-BD4E-CB4CCA059FC4}" type="datetimeFigureOut">
               <a:rPr lang="en-US" smtClean="0"/>
               <a:pPr/>
-              <a:t>4/16/2025</a:t>
+              <a:t>6/5/2025</a:t>
             </a:fld>
             <a:endParaRPr lang="en-US"/>
           </a:p>
@@ -517,7 +518,7 @@
     </p:spTree>
     <p:extLst>
       <p:ext uri="{BB962C8B-B14F-4D97-AF65-F5344CB8AC3E}">
-        <p14:creationId xmlns:p14="http://schemas.microsoft.com/office/powerpoint/2010/main" xmlns="" val="2910927964"/>
+        <p14:creationId xmlns="" xmlns:p14="http://schemas.microsoft.com/office/powerpoint/2010/main" val="2910927964"/>
       </p:ext>
     </p:extLst>
   </p:cSld>
@@ -647,7 +648,7 @@
             <a:fld id="{5BCAD085-E8A6-8845-BD4E-CB4CCA059FC4}" type="datetimeFigureOut">
               <a:rPr lang="en-US" smtClean="0"/>
               <a:pPr/>
-              <a:t>4/16/2025</a:t>
+              <a:t>6/5/2025</a:t>
             </a:fld>
             <a:endParaRPr lang="en-US"/>
           </a:p>
@@ -699,7 +700,7 @@
     </p:spTree>
     <p:extLst>
       <p:ext uri="{BB962C8B-B14F-4D97-AF65-F5344CB8AC3E}">
-        <p14:creationId xmlns:p14="http://schemas.microsoft.com/office/powerpoint/2010/main" xmlns="" val="3612223792"/>
+        <p14:creationId xmlns="" xmlns:p14="http://schemas.microsoft.com/office/powerpoint/2010/main" val="3612223792"/>
       </p:ext>
     </p:extLst>
   </p:cSld>
@@ -819,7 +820,7 @@
             <a:fld id="{5BCAD085-E8A6-8845-BD4E-CB4CCA059FC4}" type="datetimeFigureOut">
               <a:rPr lang="en-US" smtClean="0"/>
               <a:pPr/>
-              <a:t>4/16/2025</a:t>
+              <a:t>6/5/2025</a:t>
             </a:fld>
             <a:endParaRPr lang="en-US"/>
           </a:p>
@@ -871,7 +872,7 @@
     </p:spTree>
     <p:extLst>
       <p:ext uri="{BB962C8B-B14F-4D97-AF65-F5344CB8AC3E}">
-        <p14:creationId xmlns:p14="http://schemas.microsoft.com/office/powerpoint/2010/main" xmlns="" val="2614314258"/>
+        <p14:creationId xmlns="" xmlns:p14="http://schemas.microsoft.com/office/powerpoint/2010/main" val="2614314258"/>
       </p:ext>
     </p:extLst>
   </p:cSld>
@@ -1067,7 +1068,7 @@
             <a:fld id="{5BCAD085-E8A6-8845-BD4E-CB4CCA059FC4}" type="datetimeFigureOut">
               <a:rPr lang="en-US" smtClean="0"/>
               <a:pPr/>
-              <a:t>4/16/2025</a:t>
+              <a:t>6/5/2025</a:t>
             </a:fld>
             <a:endParaRPr lang="en-US"/>
           </a:p>
@@ -1119,7 +1120,7 @@
     </p:spTree>
     <p:extLst>
       <p:ext uri="{BB962C8B-B14F-4D97-AF65-F5344CB8AC3E}">
-        <p14:creationId xmlns:p14="http://schemas.microsoft.com/office/powerpoint/2010/main" xmlns="" val="960648375"/>
+        <p14:creationId xmlns="" xmlns:p14="http://schemas.microsoft.com/office/powerpoint/2010/main" val="960648375"/>
       </p:ext>
     </p:extLst>
   </p:cSld>
@@ -1357,7 +1358,7 @@
             <a:fld id="{5BCAD085-E8A6-8845-BD4E-CB4CCA059FC4}" type="datetimeFigureOut">
               <a:rPr lang="en-US" smtClean="0"/>
               <a:pPr/>
-              <a:t>4/16/2025</a:t>
+              <a:t>6/5/2025</a:t>
             </a:fld>
             <a:endParaRPr lang="en-US"/>
           </a:p>
@@ -1409,7 +1410,7 @@
     </p:spTree>
     <p:extLst>
       <p:ext uri="{BB962C8B-B14F-4D97-AF65-F5344CB8AC3E}">
-        <p14:creationId xmlns:p14="http://schemas.microsoft.com/office/powerpoint/2010/main" xmlns="" val="2782244947"/>
+        <p14:creationId xmlns="" xmlns:p14="http://schemas.microsoft.com/office/powerpoint/2010/main" val="2782244947"/>
       </p:ext>
     </p:extLst>
   </p:cSld>
@@ -1781,7 +1782,7 @@
             <a:fld id="{5BCAD085-E8A6-8845-BD4E-CB4CCA059FC4}" type="datetimeFigureOut">
               <a:rPr lang="en-US" smtClean="0"/>
               <a:pPr/>
-              <a:t>4/16/2025</a:t>
+              <a:t>6/5/2025</a:t>
             </a:fld>
             <a:endParaRPr lang="en-US"/>
           </a:p>
@@ -1833,7 +1834,7 @@
     </p:spTree>
     <p:extLst>
       <p:ext uri="{BB962C8B-B14F-4D97-AF65-F5344CB8AC3E}">
-        <p14:creationId xmlns:p14="http://schemas.microsoft.com/office/powerpoint/2010/main" xmlns="" val="990158736"/>
+        <p14:creationId xmlns="" xmlns:p14="http://schemas.microsoft.com/office/powerpoint/2010/main" val="990158736"/>
       </p:ext>
     </p:extLst>
   </p:cSld>
@@ -1901,7 +1902,7 @@
             <a:fld id="{5BCAD085-E8A6-8845-BD4E-CB4CCA059FC4}" type="datetimeFigureOut">
               <a:rPr lang="en-US" smtClean="0"/>
               <a:pPr/>
-              <a:t>4/16/2025</a:t>
+              <a:t>6/5/2025</a:t>
             </a:fld>
             <a:endParaRPr lang="en-US"/>
           </a:p>
@@ -1953,7 +1954,7 @@
     </p:spTree>
     <p:extLst>
       <p:ext uri="{BB962C8B-B14F-4D97-AF65-F5344CB8AC3E}">
-        <p14:creationId xmlns:p14="http://schemas.microsoft.com/office/powerpoint/2010/main" xmlns="" val="727027711"/>
+        <p14:creationId xmlns="" xmlns:p14="http://schemas.microsoft.com/office/powerpoint/2010/main" val="727027711"/>
       </p:ext>
     </p:extLst>
   </p:cSld>
@@ -1998,7 +1999,7 @@
             <a:fld id="{5BCAD085-E8A6-8845-BD4E-CB4CCA059FC4}" type="datetimeFigureOut">
               <a:rPr lang="en-US" smtClean="0"/>
               <a:pPr/>
-              <a:t>4/16/2025</a:t>
+              <a:t>6/5/2025</a:t>
             </a:fld>
             <a:endParaRPr lang="en-US"/>
           </a:p>
@@ -2050,7 +2051,7 @@
     </p:spTree>
     <p:extLst>
       <p:ext uri="{BB962C8B-B14F-4D97-AF65-F5344CB8AC3E}">
-        <p14:creationId xmlns:p14="http://schemas.microsoft.com/office/powerpoint/2010/main" xmlns="" val="1212999818"/>
+        <p14:creationId xmlns="" xmlns:p14="http://schemas.microsoft.com/office/powerpoint/2010/main" val="1212999818"/>
       </p:ext>
     </p:extLst>
   </p:cSld>
@@ -2277,7 +2278,7 @@
             <a:fld id="{5BCAD085-E8A6-8845-BD4E-CB4CCA059FC4}" type="datetimeFigureOut">
               <a:rPr lang="en-US" smtClean="0"/>
               <a:pPr/>
-              <a:t>4/16/2025</a:t>
+              <a:t>6/5/2025</a:t>
             </a:fld>
             <a:endParaRPr lang="en-US"/>
           </a:p>
@@ -2329,7 +2330,7 @@
     </p:spTree>
     <p:extLst>
       <p:ext uri="{BB962C8B-B14F-4D97-AF65-F5344CB8AC3E}">
-        <p14:creationId xmlns:p14="http://schemas.microsoft.com/office/powerpoint/2010/main" xmlns="" val="1840726560"/>
+        <p14:creationId xmlns="" xmlns:p14="http://schemas.microsoft.com/office/powerpoint/2010/main" val="1840726560"/>
       </p:ext>
     </p:extLst>
   </p:cSld>
@@ -2532,7 +2533,7 @@
             <a:fld id="{5BCAD085-E8A6-8845-BD4E-CB4CCA059FC4}" type="datetimeFigureOut">
               <a:rPr lang="en-US" smtClean="0"/>
               <a:pPr/>
-              <a:t>4/16/2025</a:t>
+              <a:t>6/5/2025</a:t>
             </a:fld>
             <a:endParaRPr lang="en-US"/>
           </a:p>
@@ -2584,7 +2585,7 @@
     </p:spTree>
     <p:extLst>
       <p:ext uri="{BB962C8B-B14F-4D97-AF65-F5344CB8AC3E}">
-        <p14:creationId xmlns:p14="http://schemas.microsoft.com/office/powerpoint/2010/main" xmlns="" val="3889236939"/>
+        <p14:creationId xmlns="" xmlns:p14="http://schemas.microsoft.com/office/powerpoint/2010/main" val="3889236939"/>
       </p:ext>
     </p:extLst>
   </p:cSld>
@@ -2747,7 +2748,7 @@
             <a:fld id="{5BCAD085-E8A6-8845-BD4E-CB4CCA059FC4}" type="datetimeFigureOut">
               <a:rPr lang="en-US" smtClean="0"/>
               <a:pPr/>
-              <a:t>4/16/2025</a:t>
+              <a:t>6/5/2025</a:t>
             </a:fld>
             <a:endParaRPr lang="en-US"/>
           </a:p>
@@ -2835,7 +2836,7 @@
     </p:spTree>
     <p:extLst>
       <p:ext uri="{BB962C8B-B14F-4D97-AF65-F5344CB8AC3E}">
-        <p14:creationId xmlns:p14="http://schemas.microsoft.com/office/powerpoint/2010/main" xmlns="" val="2209977519"/>
+        <p14:creationId xmlns="" xmlns:p14="http://schemas.microsoft.com/office/powerpoint/2010/main" val="2209977519"/>
       </p:ext>
     </p:extLst>
   </p:cSld>
@@ -3391,13 +3392,7 @@
               <a:rPr sz="2000">
                 <a:latin typeface="+mj-lt"/>
               </a:rPr>
-              <a:t>um cenário de praia semi-realista com céu, sol, mar, areia </a:t>
-            </a:r>
-            <a:r>
-              <a:rPr sz="2000">
-                <a:latin typeface="+mj-lt"/>
-              </a:rPr>
-              <a:t>e </a:t>
+              <a:t>um cenário de praia semi-realista com céu, sol, mar, areia e </a:t>
             </a:r>
             <a:r>
               <a:rPr sz="2000" smtClean="0">
@@ -3486,13 +3481,7 @@
               <a:rPr sz="2000">
                 <a:latin typeface="+mj-lt"/>
               </a:rPr>
-              <a:t>o jogador morre ou </a:t>
-            </a:r>
-            <a:r>
-              <a:rPr sz="2000">
-                <a:latin typeface="+mj-lt"/>
-              </a:rPr>
-              <a:t>um </a:t>
+              <a:t>o jogador morre ou um </a:t>
             </a:r>
             <a:r>
               <a:rPr lang="pt-PT" sz="2000" dirty="0" smtClean="0">
@@ -3613,8 +3602,10 @@
           <a:lstStyle/>
           <a:p>
             <a:r>
-              <a:t>Estado Atual do Projeto</a:t>
-            </a:r>
+              <a:rPr lang="pt-PT" dirty="0" smtClean="0"/>
+              <a:t>Cenário</a:t>
+            </a:r>
+            <a:endParaRPr/>
           </a:p>
         </p:txBody>
       </p:sp>
@@ -3676,75 +3667,57 @@
               <a:rPr sz="2000">
                 <a:latin typeface="+mj-lt"/>
               </a:rPr>
-              <a:t>com o módulo 'Sky', ajustado </a:t>
+              <a:t>com o módulo 'Sky', ajustado para </a:t>
+            </a:r>
+            <a:r>
+              <a:rPr lang="pt-PT" sz="2000" dirty="0" smtClean="0">
+                <a:latin typeface="+mj-lt"/>
+              </a:rPr>
+              <a:t>efeitos de </a:t>
+            </a:r>
+            <a:r>
+              <a:rPr sz="2000" smtClean="0">
+                <a:latin typeface="+mj-lt"/>
+              </a:rPr>
+              <a:t>realismo </a:t>
             </a:r>
             <a:r>
               <a:rPr sz="2000">
                 <a:latin typeface="+mj-lt"/>
               </a:rPr>
-              <a:t>para </a:t>
+              <a:t>(turbidez, Rayleigh e Mie scattering)</a:t>
+            </a:r>
+          </a:p>
+          <a:p>
+            <a:r>
+              <a:rPr sz="2000" smtClean="0">
+                <a:latin typeface="+mj-lt"/>
+              </a:rPr>
+              <a:t>Sol </a:t>
+            </a:r>
+            <a:r>
+              <a:rPr sz="2000">
+                <a:latin typeface="+mj-lt"/>
+              </a:rPr>
+              <a:t>simulado com Vector3 </a:t>
             </a:r>
             <a:r>
               <a:rPr lang="pt-PT" sz="2000" dirty="0" smtClean="0">
                 <a:latin typeface="+mj-lt"/>
               </a:rPr>
-              <a:t>efeitos de </a:t>
+              <a:t>e</a:t>
             </a:r>
             <a:r>
               <a:rPr sz="2000" smtClean="0">
                 <a:latin typeface="+mj-lt"/>
               </a:rPr>
-              <a:t>realismo </a:t>
+              <a:t> </a:t>
             </a:r>
             <a:r>
               <a:rPr sz="2000">
                 <a:latin typeface="+mj-lt"/>
               </a:rPr>
-              <a:t>(turbidez, Rayleigh e Mie scattering)</a:t>
-            </a:r>
-          </a:p>
-          <a:p>
-            <a:r>
-              <a:rPr sz="2000" smtClean="0">
-                <a:latin typeface="+mj-lt"/>
-              </a:rPr>
-              <a:t>Sol </a:t>
-            </a:r>
-            <a:r>
-              <a:rPr sz="2000">
-                <a:latin typeface="+mj-lt"/>
-              </a:rPr>
-              <a:t>simulado com </a:t>
-            </a:r>
-            <a:r>
-              <a:rPr sz="2000">
-                <a:latin typeface="+mj-lt"/>
-              </a:rPr>
-              <a:t>Vector3 </a:t>
-            </a:r>
-            <a:r>
-              <a:rPr lang="pt-PT" sz="2000" dirty="0" smtClean="0">
-                <a:latin typeface="+mj-lt"/>
-              </a:rPr>
-              <a:t>e</a:t>
-            </a:r>
-            <a:r>
-              <a:rPr sz="2000" smtClean="0">
-                <a:latin typeface="+mj-lt"/>
-              </a:rPr>
-              <a:t> </a:t>
-            </a:r>
-            <a:r>
-              <a:rPr sz="2000">
-                <a:latin typeface="+mj-lt"/>
-              </a:rPr>
-              <a:t>luz </a:t>
-            </a:r>
-            <a:r>
-              <a:rPr sz="2000">
-                <a:latin typeface="+mj-lt"/>
-              </a:rPr>
-              <a:t>direcional </a:t>
+              <a:t>luz direcional </a:t>
             </a:r>
             <a:r>
               <a:rPr sz="2000" smtClean="0">
@@ -3797,25 +3770,49 @@
               <a:rPr sz="2000">
                 <a:latin typeface="+mj-lt"/>
               </a:rPr>
-              <a:t>'Water' </a:t>
+              <a:t>'Water' e </a:t>
+            </a:r>
+            <a:r>
+              <a:rPr lang="pt-PT" sz="2000" dirty="0" smtClean="0">
+                <a:latin typeface="+mj-lt"/>
+              </a:rPr>
+              <a:t>normal </a:t>
+            </a:r>
+            <a:r>
+              <a:rPr lang="pt-PT" sz="2000" dirty="0" err="1" smtClean="0">
+                <a:latin typeface="+mj-lt"/>
+              </a:rPr>
+              <a:t>map</a:t>
+            </a:r>
+            <a:r>
+              <a:rPr lang="pt-PT" sz="2000" dirty="0" smtClean="0">
+                <a:latin typeface="+mj-lt"/>
+              </a:rPr>
+              <a:t> </a:t>
+            </a:r>
+            <a:r>
+              <a:rPr sz="2000" smtClean="0">
+                <a:latin typeface="+mj-lt"/>
+              </a:rPr>
+              <a:t>'waternormals.jpg</a:t>
             </a:r>
             <a:r>
               <a:rPr sz="2000">
                 <a:latin typeface="+mj-lt"/>
               </a:rPr>
-              <a:t>e </a:t>
+              <a:t>', </a:t>
             </a:r>
             <a:r>
               <a:rPr lang="pt-PT" sz="2000" dirty="0" smtClean="0">
                 <a:latin typeface="+mj-lt"/>
               </a:rPr>
-              <a:t>normal </a:t>
+              <a:t>que </a:t>
             </a:r>
             <a:r>
               <a:rPr lang="pt-PT" sz="2000" dirty="0" err="1" smtClean="0">
                 <a:latin typeface="+mj-lt"/>
               </a:rPr>
-              <a:t>map</a:t>
+              <a:t>reflete</a:t>
             </a:r>
             <a:r>
               <a:rPr lang="pt-PT" sz="2000" dirty="0" smtClean="0">
@@ -3827,63 +3824,27 @@
               <a:rPr sz="2000" smtClean="0">
                 <a:latin typeface="+mj-lt"/>
               </a:rPr>
-              <a:t>'waternormals.jpg</a:t>
+              <a:t>o </a:t>
             </a:r>
             <a:r>
               <a:rPr sz="2000">
                 <a:latin typeface="+mj-lt"/>
               </a:rPr>
-              <a:t>', </a:t>
-            </a:r>
-            <a:r>
-              <a:rPr lang="pt-PT" sz="2000" dirty="0" smtClean="0">
-                <a:latin typeface="+mj-lt"/>
-              </a:rPr>
-              <a:t>que </a:t>
-            </a:r>
-            <a:r>
-              <a:rPr lang="pt-PT" sz="2000" dirty="0" err="1" smtClean="0">
-                <a:latin typeface="+mj-lt"/>
-              </a:rPr>
-              <a:t>reflete</a:t>
-            </a:r>
-            <a:r>
-              <a:rPr lang="pt-PT" sz="2000" dirty="0" smtClean="0">
-                <a:latin typeface="+mj-lt"/>
-              </a:rPr>
-              <a:t> </a:t>
-            </a:r>
+              <a:t>céu e luz solar</a:t>
+            </a:r>
+          </a:p>
+          <a:p>
             <a:r>
               <a:rPr sz="2000" smtClean="0">
                 <a:latin typeface="+mj-lt"/>
               </a:rPr>
-              <a:t>o </a:t>
+              <a:t>Praia como </a:t>
             </a:r>
             <a:r>
               <a:rPr sz="2000">
                 <a:latin typeface="+mj-lt"/>
               </a:rPr>
-              <a:t>céu e luz solar</a:t>
-            </a:r>
-          </a:p>
-          <a:p>
-            <a:r>
-              <a:rPr sz="2000" smtClean="0">
-                <a:latin typeface="+mj-lt"/>
-              </a:rPr>
-              <a:t>Praia como </a:t>
-            </a:r>
-            <a:r>
-              <a:rPr sz="2000">
-                <a:latin typeface="+mj-lt"/>
-              </a:rPr>
-              <a:t>Mesh com textura de </a:t>
-            </a:r>
-            <a:r>
-              <a:rPr sz="2000">
-                <a:latin typeface="+mj-lt"/>
-              </a:rPr>
-              <a:t>areia </a:t>
+              <a:t>Mesh com textura de areia </a:t>
             </a:r>
             <a:r>
               <a:rPr lang="pt-PT" sz="2000" dirty="0" smtClean="0">
@@ -4077,8 +4038,10 @@
           <a:lstStyle/>
           <a:p>
             <a:r>
-              <a:t>Próximos Passos</a:t>
-            </a:r>
+              <a:rPr lang="pt-PT" dirty="0" smtClean="0"/>
+              <a:t>Regras</a:t>
+            </a:r>
+            <a:endParaRPr/>
           </a:p>
         </p:txBody>
       </p:sp>
@@ -4092,10 +4055,15 @@
             <p:ph idx="1"/>
           </p:nvPr>
         </p:nvSpPr>
-        <p:spPr/>
+        <p:spPr>
+          <a:xfrm>
+            <a:off x="457199" y="1600200"/>
+            <a:ext cx="8460089" cy="4525963"/>
+          </a:xfrm>
+        </p:spPr>
         <p:txBody>
           <a:bodyPr>
-            <a:normAutofit/>
+            <a:normAutofit fontScale="92500" lnSpcReduction="10000"/>
           </a:bodyPr>
           <a:lstStyle/>
           <a:p>
@@ -4107,149 +4075,97 @@
               <a:t> </a:t>
             </a:r>
             <a:r>
-              <a:rPr sz="2000"/>
-              <a:t>Melhorias Visuais:</a:t>
-            </a:r>
-          </a:p>
-          <a:p>
+              <a:rPr lang="pt-PT" sz="2000" dirty="0" smtClean="0"/>
+              <a:t>O jogo termina quando</a:t>
+            </a:r>
             <a:r>
               <a:rPr sz="2000" smtClean="0"/>
-              <a:t>Substituir </a:t>
-            </a:r>
-            <a:r>
-              <a:rPr sz="2000"/>
-              <a:t>mar estático por ondulação dinâmica e realista</a:t>
-            </a:r>
-          </a:p>
-          <a:p>
-            <a:r>
-              <a:rPr sz="2000" smtClean="0"/>
-              <a:t>Refinar </a:t>
-            </a:r>
-            <a:r>
-              <a:rPr sz="2000"/>
-              <a:t>a textura da areia para </a:t>
-            </a:r>
-            <a:r>
-              <a:rPr sz="2000"/>
-              <a:t>maior </a:t>
-            </a:r>
-            <a:r>
-              <a:rPr sz="2000" smtClean="0"/>
-              <a:t>realismo</a:t>
-            </a:r>
+              <a:t>:</a:t>
+            </a:r>
+            <a:endParaRPr sz="2000"/>
+          </a:p>
+          <a:p>
+            <a:r>
+              <a:rPr lang="pt-PT" sz="2000" dirty="0" smtClean="0"/>
+              <a:t>O</a:t>
+            </a:r>
+            <a:r>
+              <a:rPr lang="pt-PT" sz="2000" dirty="0" smtClean="0"/>
+              <a:t> jogador morre por ataque ou colisão com um fantasma;</a:t>
+            </a:r>
+          </a:p>
+          <a:p>
+            <a:r>
+              <a:rPr lang="pt-PT" sz="2000" dirty="0" smtClean="0"/>
+              <a:t>U</a:t>
+            </a:r>
+            <a:r>
+              <a:rPr lang="pt-PT" sz="2000" dirty="0" smtClean="0"/>
+              <a:t>m fantasma chega às dunas.</a:t>
+            </a:r>
+          </a:p>
+          <a:p>
             <a:endParaRPr lang="pt-PT" sz="2000" dirty="0" smtClean="0"/>
           </a:p>
           <a:p>
+            <a:pPr>
+              <a:buNone/>
+            </a:pPr>
             <a:r>
               <a:rPr lang="pt-PT" sz="2000" dirty="0" smtClean="0"/>
-              <a:t>Criar as dunas</a:t>
+              <a:t>Um fantasma morre quando:</a:t>
+            </a:r>
+          </a:p>
+          <a:p>
+            <a:r>
+              <a:rPr lang="pt-PT" sz="2000" dirty="0" smtClean="0"/>
+              <a:t>A sua vida chega a 0.</a:t>
+            </a:r>
+          </a:p>
+          <a:p>
+            <a:endParaRPr lang="pt-PT" sz="2000" dirty="0" smtClean="0"/>
+          </a:p>
+          <a:p>
+            <a:pPr>
+              <a:buNone/>
+            </a:pPr>
+            <a:r>
+              <a:rPr lang="pt-PT" sz="2000" dirty="0" smtClean="0"/>
+              <a:t>Limites de movimento:</a:t>
+            </a:r>
+          </a:p>
+          <a:p>
+            <a:r>
+              <a:rPr lang="pt-PT" sz="2000" dirty="0" smtClean="0"/>
+              <a:t>Existe um rectângulo que define a área jogável apenas para o </a:t>
+            </a:r>
+            <a:r>
+              <a:rPr lang="pt-PT" sz="2000" dirty="0" smtClean="0"/>
+              <a:t>jogador</a:t>
+            </a:r>
+            <a:r>
+              <a:rPr lang="pt-PT" sz="2000" dirty="0" smtClean="0"/>
+              <a:t>, delimitado por linhas dinâmicas;</a:t>
+            </a:r>
+          </a:p>
+          <a:p>
+            <a:endParaRPr lang="pt-PT" sz="2000" dirty="0" smtClean="0"/>
+          </a:p>
+          <a:p>
+            <a:pPr>
+              <a:buNone/>
+            </a:pPr>
+            <a:r>
+              <a:rPr lang="pt-PT" sz="2000" dirty="0" smtClean="0"/>
+              <a:t>Pontuação:</a:t>
+            </a:r>
+          </a:p>
+          <a:p>
+            <a:r>
+              <a:rPr lang="pt-PT" sz="2000" dirty="0" smtClean="0"/>
+              <a:t>É o número de segundos em que o jogador conseguiu defender a praia sem morrer.</a:t>
             </a:r>
             <a:endParaRPr sz="2000"/>
-          </a:p>
-          <a:p>
-            <a:endParaRPr sz="2000"/>
-          </a:p>
-          <a:p>
-            <a:pPr>
-              <a:buNone/>
-            </a:pPr>
-            <a:r>
-              <a:rPr sz="2000" smtClean="0"/>
-              <a:t> </a:t>
-            </a:r>
-            <a:r>
-              <a:rPr sz="2000"/>
-              <a:t>Desenvolvimento </a:t>
-            </a:r>
-            <a:r>
-              <a:rPr sz="2000" smtClean="0"/>
-              <a:t>d</a:t>
-            </a:r>
-            <a:r>
-              <a:rPr lang="pt-PT" sz="2000" dirty="0" smtClean="0"/>
-              <a:t>a</a:t>
-            </a:r>
-            <a:r>
-              <a:rPr sz="2000" smtClean="0"/>
-              <a:t> </a:t>
-            </a:r>
-            <a:r>
-              <a:rPr sz="2000"/>
-              <a:t>Jogabilidade:</a:t>
-            </a:r>
-          </a:p>
-          <a:p>
-            <a:r>
-              <a:rPr sz="2000" smtClean="0"/>
-              <a:t>Criar </a:t>
-            </a:r>
-            <a:r>
-              <a:rPr sz="2000"/>
-              <a:t>NPCs </a:t>
-            </a:r>
-            <a:r>
-              <a:rPr sz="2000" smtClean="0"/>
-              <a:t>inimigos</a:t>
-            </a:r>
-            <a:r>
-              <a:rPr lang="pt-PT" sz="2000" dirty="0" smtClean="0"/>
-              <a:t> (e sua IA, provavelmente com A* e/ou lógica simples)</a:t>
-            </a:r>
-            <a:endParaRPr sz="2000"/>
-          </a:p>
-          <a:p>
-            <a:r>
-              <a:rPr sz="2000" smtClean="0"/>
-              <a:t>Implementar </a:t>
-            </a:r>
-            <a:r>
-              <a:rPr sz="2000"/>
-              <a:t>sistema de </a:t>
-            </a:r>
-            <a:r>
-              <a:rPr sz="2000"/>
-              <a:t>combate </a:t>
-            </a:r>
-            <a:r>
-              <a:rPr sz="2000" smtClean="0"/>
-              <a:t>(</a:t>
-            </a:r>
-            <a:r>
-              <a:rPr lang="pt-PT" sz="2000" dirty="0" smtClean="0"/>
-              <a:t>lançamento de feitiços</a:t>
-            </a:r>
-            <a:r>
-              <a:rPr sz="2000" smtClean="0"/>
-              <a:t>)</a:t>
-            </a:r>
-            <a:endParaRPr sz="2000"/>
-          </a:p>
-          <a:p>
-            <a:r>
-              <a:rPr sz="2000" smtClean="0"/>
-              <a:t>Estabelecer </a:t>
-            </a:r>
-            <a:r>
-              <a:rPr sz="2000"/>
-              <a:t>lógica de </a:t>
-            </a:r>
-            <a:r>
-              <a:rPr sz="2000"/>
-              <a:t>pontuação </a:t>
-            </a:r>
-            <a:r>
-              <a:rPr lang="pt-PT" sz="2000" dirty="0" smtClean="0"/>
-              <a:t>e</a:t>
-            </a:r>
-            <a:r>
-              <a:rPr sz="2000" smtClean="0"/>
-              <a:t> </a:t>
-            </a:r>
-            <a:r>
-              <a:rPr sz="2000"/>
-              <a:t>fim de jogo</a:t>
-            </a:r>
           </a:p>
         </p:txBody>
       </p:sp>
@@ -4262,6 +4178,197 @@
 </file>
 
 <file path=ppt/slides/slide5.xml><?xml version="1.0" encoding="utf-8"?>
+<p:sld xmlns:a="http://schemas.openxmlformats.org/drawingml/2006/main" xmlns:r="http://schemas.openxmlformats.org/officeDocument/2006/relationships" xmlns:p="http://schemas.openxmlformats.org/presentationml/2006/main">
+  <p:cSld>
+    <p:spTree>
+      <p:nvGrpSpPr>
+        <p:cNvPr id="1" name=""/>
+        <p:cNvGrpSpPr/>
+        <p:nvPr/>
+      </p:nvGrpSpPr>
+      <p:grpSpPr>
+        <a:xfrm>
+          <a:off x="0" y="0"/>
+          <a:ext cx="0" cy="0"/>
+          <a:chOff x="0" y="0"/>
+          <a:chExt cx="0" cy="0"/>
+        </a:xfrm>
+      </p:grpSpPr>
+      <p:pic>
+        <p:nvPicPr>
+          <p:cNvPr id="4" name="Imagem 3" descr="Screenshot do jogo.png"/>
+          <p:cNvPicPr>
+            <a:picLocks noChangeAspect="1"/>
+          </p:cNvPicPr>
+          <p:nvPr/>
+        </p:nvPicPr>
+        <p:blipFill>
+          <a:blip r:embed="rId2"/>
+          <a:stretch>
+            <a:fillRect/>
+          </a:stretch>
+        </p:blipFill>
+        <p:spPr>
+          <a:xfrm>
+            <a:off x="0" y="0"/>
+            <a:ext cx="9144000" cy="6858000"/>
+          </a:xfrm>
+          <a:prstGeom prst="rect">
+            <a:avLst/>
+          </a:prstGeom>
+        </p:spPr>
+      </p:pic>
+      <p:sp>
+        <p:nvSpPr>
+          <p:cNvPr id="2" name="Title 1"/>
+          <p:cNvSpPr>
+            <a:spLocks noGrp="1"/>
+          </p:cNvSpPr>
+          <p:nvPr>
+            <p:ph type="title"/>
+          </p:nvPr>
+        </p:nvSpPr>
+        <p:spPr/>
+        <p:txBody>
+          <a:bodyPr/>
+          <a:lstStyle/>
+          <a:p>
+            <a:r>
+              <a:rPr lang="pt-PT" dirty="0" smtClean="0"/>
+              <a:t>Movimento do jogador</a:t>
+            </a:r>
+            <a:endParaRPr/>
+          </a:p>
+        </p:txBody>
+      </p:sp>
+      <p:sp>
+        <p:nvSpPr>
+          <p:cNvPr id="3" name="Content Placeholder 2"/>
+          <p:cNvSpPr>
+            <a:spLocks noGrp="1"/>
+          </p:cNvSpPr>
+          <p:nvPr>
+            <p:ph idx="1"/>
+          </p:nvPr>
+        </p:nvSpPr>
+        <p:spPr>
+          <a:xfrm>
+            <a:off x="457199" y="1600200"/>
+            <a:ext cx="8460089" cy="4525963"/>
+          </a:xfrm>
+        </p:spPr>
+        <p:txBody>
+          <a:bodyPr>
+            <a:normAutofit lnSpcReduction="10000"/>
+          </a:bodyPr>
+          <a:lstStyle/>
+          <a:p>
+            <a:pPr>
+              <a:buNone/>
+            </a:pPr>
+            <a:r>
+              <a:rPr sz="2000" smtClean="0"/>
+              <a:t> </a:t>
+            </a:r>
+            <a:r>
+              <a:rPr lang="pt-PT" sz="2000" dirty="0" smtClean="0"/>
+              <a:t>O jogador pode tomar as seguintes opções</a:t>
+            </a:r>
+            <a:r>
+              <a:rPr sz="2000" smtClean="0"/>
+              <a:t>:</a:t>
+            </a:r>
+            <a:endParaRPr sz="2000"/>
+          </a:p>
+          <a:p>
+            <a:r>
+              <a:rPr lang="pt-PT" sz="2000" dirty="0" smtClean="0"/>
+              <a:t>Mover-se com as teclas W, A, S, D</a:t>
+            </a:r>
+            <a:r>
+              <a:rPr lang="pt-PT" sz="2000" dirty="0" smtClean="0"/>
+              <a:t>;</a:t>
+            </a:r>
+          </a:p>
+          <a:p>
+            <a:r>
+              <a:rPr lang="pt-PT" sz="2000" dirty="0" smtClean="0"/>
+              <a:t>Saltar com SPACE;</a:t>
+            </a:r>
+          </a:p>
+          <a:p>
+            <a:r>
+              <a:rPr lang="pt-PT" sz="2000" dirty="0" smtClean="0"/>
+              <a:t>Lançar feitiço com </a:t>
+            </a:r>
+            <a:r>
+              <a:rPr lang="pt-PT" sz="2000" dirty="0" err="1" smtClean="0"/>
+              <a:t>LeftMouseClick</a:t>
+            </a:r>
+            <a:r>
+              <a:rPr lang="pt-PT" sz="2000" dirty="0" smtClean="0"/>
+              <a:t>.</a:t>
+            </a:r>
+          </a:p>
+          <a:p>
+            <a:endParaRPr lang="pt-PT" sz="2000" dirty="0" smtClean="0"/>
+          </a:p>
+          <a:p>
+            <a:endParaRPr lang="pt-PT" sz="2000" dirty="0" smtClean="0"/>
+          </a:p>
+          <a:p>
+            <a:pPr>
+              <a:buNone/>
+            </a:pPr>
+            <a:r>
+              <a:rPr lang="pt-PT" sz="2000" dirty="0" smtClean="0"/>
+              <a:t>Limites de movimento:</a:t>
+            </a:r>
+          </a:p>
+          <a:p>
+            <a:r>
+              <a:rPr lang="pt-PT" sz="2000" dirty="0" smtClean="0"/>
+              <a:t>Existe um rectângulo que define a área jogável, delimitado por linhas dinâmicas;</a:t>
+            </a:r>
+          </a:p>
+          <a:p>
+            <a:endParaRPr lang="pt-PT" sz="2000" dirty="0" smtClean="0"/>
+          </a:p>
+          <a:p>
+            <a:pPr>
+              <a:buNone/>
+            </a:pPr>
+            <a:r>
+              <a:rPr lang="pt-PT" sz="2000" dirty="0" smtClean="0"/>
+              <a:t>Pontuação:</a:t>
+            </a:r>
+          </a:p>
+          <a:p>
+            <a:r>
+              <a:rPr lang="pt-PT" sz="2000" dirty="0" smtClean="0"/>
+              <a:t>É o número de segundos em que o jogador conseguiu defender a praia sem </a:t>
+            </a:r>
+            <a:r>
+              <a:rPr lang="pt-PT" sz="2000" u="sng" dirty="0" smtClean="0"/>
+              <a:t>morrer</a:t>
+            </a:r>
+            <a:r>
+              <a:rPr lang="pt-PT" sz="2000" dirty="0" smtClean="0"/>
+              <a:t>.</a:t>
+            </a:r>
+            <a:endParaRPr sz="2000"/>
+          </a:p>
+        </p:txBody>
+      </p:sp>
+    </p:spTree>
+  </p:cSld>
+  <p:clrMapOvr>
+    <a:masterClrMapping/>
+  </p:clrMapOvr>
+</p:sld>
+</file>
+
+<file path=ppt/slides/slide6.xml><?xml version="1.0" encoding="utf-8"?>
 <p:sld xmlns:a="http://schemas.openxmlformats.org/drawingml/2006/main" xmlns:r="http://schemas.openxmlformats.org/officeDocument/2006/relationships" xmlns:p="http://schemas.openxmlformats.org/presentationml/2006/main">
   <p:cSld>
     <p:spTree>
